--- a/docs/Technology Review.pptx
+++ b/docs/Technology Review.pptx
@@ -15,6 +15,9 @@
     <p:sldId id="260" r:id="rId12"/>
     <p:sldId id="261" r:id="rId13"/>
     <p:sldId id="262" r:id="rId14"/>
+    <p:sldId id="263" r:id="rId15"/>
+    <p:sldId id="264" r:id="rId16"/>
+    <p:sldId id="265" r:id="rId17"/>
   </p:sldIdLst>
   <p:sldSz cx="24384000" cy="13716000"/>
   <p:notesSz cx="6858000" cy="9144000"/>
@@ -2975,6 +2978,137 @@
 </p:sld>
 </file>
 
+<file path=ppt/slides/slide10.xml><?xml version="1.0" encoding="utf-8"?>
+<p:sld xmlns:a="http://schemas.openxmlformats.org/drawingml/2006/main" xmlns:r="http://schemas.openxmlformats.org/officeDocument/2006/relationships" xmlns:p="http://schemas.openxmlformats.org/presentationml/2006/main" xmlns:m="http://schemas.openxmlformats.org/officeDocument/2006/math" xmlns:a14="http://schemas.microsoft.com/office/drawing/2010/main" showMasterSp="1" showMasterPhAnim="1">
+  <p:cSld>
+    <p:spTree>
+      <p:nvGrpSpPr>
+        <p:cNvPr id="1" name=""/>
+        <p:cNvGrpSpPr/>
+        <p:nvPr/>
+      </p:nvGrpSpPr>
+      <p:grpSpPr>
+        <a:xfrm>
+          <a:off x="0" y="0"/>
+          <a:ext cx="0" cy="0"/>
+          <a:chOff x="0" y="0"/>
+          <a:chExt cx="0" cy="0"/>
+        </a:xfrm>
+      </p:grpSpPr>
+      <p:sp>
+        <p:nvSpPr>
+          <p:cNvPr id="148" name="ML Model"/>
+          <p:cNvSpPr txBox="1"/>
+          <p:nvPr>
+            <p:ph type="title"/>
+          </p:nvPr>
+        </p:nvSpPr>
+        <p:spPr>
+          <a:xfrm>
+            <a:off x="1784350" y="97297"/>
+            <a:ext cx="20815300" cy="2984501"/>
+          </a:xfrm>
+          <a:prstGeom prst="rect">
+            <a:avLst/>
+          </a:prstGeom>
+        </p:spPr>
+        <p:txBody>
+          <a:bodyPr/>
+          <a:lstStyle/>
+          <a:p>
+            <a:pPr/>
+            <a:r>
+              <a:t>ML Model</a:t>
+            </a:r>
+          </a:p>
+        </p:txBody>
+      </p:sp>
+      <p:sp>
+        <p:nvSpPr>
+          <p:cNvPr id="149" name="TBATS: a model combined the box-cox, trend, multi-seasonality and ARIMA residual. Performed not bad for the first few steps.…"/>
+          <p:cNvSpPr txBox="1"/>
+          <p:nvPr>
+            <p:ph type="body" idx="1"/>
+          </p:nvPr>
+        </p:nvSpPr>
+        <p:spPr>
+          <a:xfrm>
+            <a:off x="1784350" y="3020949"/>
+            <a:ext cx="20815300" cy="8839201"/>
+          </a:xfrm>
+          <a:prstGeom prst="rect">
+            <a:avLst/>
+          </a:prstGeom>
+        </p:spPr>
+        <p:txBody>
+          <a:bodyPr/>
+          <a:lstStyle/>
+          <a:p>
+            <a:pPr lvl="1" marL="1085088" indent="-542544" defTabSz="734694">
+              <a:spcBef>
+                <a:spcPts val="5200"/>
+              </a:spcBef>
+              <a:defRPr sz="4628"/>
+            </a:pPr>
+            <a:r>
+              <a:t>TBATS: a model combined the box-cox, trend, multi-seasonality and ARIMA residual. Performed not bad for the first few steps.</a:t>
+            </a:r>
+          </a:p>
+          <a:p>
+            <a:pPr lvl="1" marL="1085088" indent="-542544" defTabSz="734694">
+              <a:spcBef>
+                <a:spcPts val="5200"/>
+              </a:spcBef>
+              <a:defRPr sz="4628"/>
+            </a:pPr>
+            <a:r>
+              <a:t>Geometric Brownian Motion: (On going)</a:t>
+            </a:r>
+          </a:p>
+          <a:p>
+            <a:pPr lvl="1" marL="1085088" indent="-542544" defTabSz="734694">
+              <a:spcBef>
+                <a:spcPts val="5200"/>
+              </a:spcBef>
+              <a:defRPr sz="4628"/>
+            </a:pPr>
+            <a:r>
+              <a:t>What we can get from the model: tomorrow’s price and confidence interval.</a:t>
+            </a:r>
+          </a:p>
+          <a:p>
+            <a:pPr lvl="1" marL="1085088" indent="-542544" defTabSz="734694">
+              <a:spcBef>
+                <a:spcPts val="5200"/>
+              </a:spcBef>
+              <a:defRPr sz="4628"/>
+            </a:pPr>
+            <a:r>
+              <a:t>How user can use this: buy the stock if the predicted value is an increase.</a:t>
+            </a:r>
+          </a:p>
+          <a:p>
+            <a:pPr lvl="1" marL="1085088" indent="-542544" defTabSz="734694">
+              <a:spcBef>
+                <a:spcPts val="5200"/>
+              </a:spcBef>
+              <a:defRPr sz="4628"/>
+            </a:pPr>
+            <a:r>
+              <a:t>How to determine the model accuracy: use this strategy for 30 days and see how much profit we can gain.</a:t>
+            </a:r>
+          </a:p>
+        </p:txBody>
+      </p:sp>
+    </p:spTree>
+  </p:cSld>
+  <p:clrMapOvr>
+    <a:masterClrMapping/>
+  </p:clrMapOvr>
+  <p:transition xmlns:p14="http://schemas.microsoft.com/office/powerpoint/2010/main" spd="med" advClick="1"/>
+</p:sld>
+</file>
+
 <file path=ppt/slides/slide2.xml><?xml version="1.0" encoding="utf-8"?>
 <p:sld xmlns:a="http://schemas.openxmlformats.org/drawingml/2006/main" xmlns:r="http://schemas.openxmlformats.org/officeDocument/2006/relationships" xmlns:p="http://schemas.openxmlformats.org/presentationml/2006/main" xmlns:m="http://schemas.openxmlformats.org/officeDocument/2006/math" xmlns:a14="http://schemas.microsoft.com/office/drawing/2010/main" showMasterSp="1" showMasterPhAnim="1">
   <p:cSld>
@@ -3144,7 +3278,7 @@
       </p:sp>
       <p:sp>
         <p:nvSpPr>
-          <p:cNvPr id="127" name="For example, the user may wants to know how the TESLA changed from 2020 to present.…"/>
+          <p:cNvPr id="127" name="For example, the user may wants to know how the TESLA changed from 2020 to present, and how it behaves comparing with other stocks.…"/>
           <p:cNvSpPr txBox="1"/>
           <p:nvPr>
             <p:ph type="body" idx="1"/>
@@ -3152,7 +3286,7 @@
         </p:nvSpPr>
         <p:spPr>
           <a:xfrm>
-            <a:off x="1790700" y="3045907"/>
+            <a:off x="1784350" y="3445235"/>
             <a:ext cx="20815300" cy="8839201"/>
           </a:xfrm>
           <a:prstGeom prst="rect">
@@ -3163,19 +3297,56 @@
           <a:bodyPr/>
           <a:lstStyle/>
           <a:p>
-            <a:pPr/>
-            <a:r>
-              <a:t>For example, the user may wants to know how the TESLA changed from 2020 to present. </a:t>
-            </a:r>
-          </a:p>
-          <a:p>
-            <a:pPr/>
+            <a:pPr marL="566927" indent="-566927" defTabSz="767715">
+              <a:spcBef>
+                <a:spcPts val="5400"/>
+              </a:spcBef>
+              <a:defRPr sz="4836"/>
+            </a:pPr>
+            <a:r>
+              <a:t>For example, the user may wants to know how the TESLA changed from 2020 to present, and how it behaves comparing with other stocks. </a:t>
+            </a:r>
+          </a:p>
+          <a:p>
+            <a:pPr marL="566927" indent="-566927" defTabSz="767715">
+              <a:spcBef>
+                <a:spcPts val="5400"/>
+              </a:spcBef>
+              <a:defRPr sz="4836"/>
+            </a:pPr>
+            <a:r>
+              <a:t>The user may also interesting in how the price will change tomorrow, this is important for him/her to decide whether to buy the stock.</a:t>
+            </a:r>
+          </a:p>
+          <a:p>
+            <a:pPr marL="566927" indent="-566927" defTabSz="767715">
+              <a:spcBef>
+                <a:spcPts val="5400"/>
+              </a:spcBef>
+              <a:defRPr sz="4836"/>
+            </a:pPr>
+            <a:r>
+              <a:t>For multiple stocks, which one can maximize the profit.</a:t>
+            </a:r>
+          </a:p>
+          <a:p>
+            <a:pPr marL="566927" indent="-566927" defTabSz="767715">
+              <a:spcBef>
+                <a:spcPts val="5400"/>
+              </a:spcBef>
+              <a:defRPr sz="4836"/>
+            </a:pPr>
             <a:r>
               <a:t>We can not know in advance which stock and time the user want, and it is unrealistic to store all the datas locally.</a:t>
             </a:r>
           </a:p>
           <a:p>
-            <a:pPr/>
+            <a:pPr marL="566927" indent="-566927" defTabSz="767715">
+              <a:spcBef>
+                <a:spcPts val="5400"/>
+              </a:spcBef>
+              <a:defRPr sz="4836"/>
+            </a:pPr>
             <a:r>
               <a:t>We will need an API to read data based on the users request.</a:t>
             </a:r>
@@ -3300,7 +3471,7 @@
               <a:defRPr sz="4524"/>
             </a:pPr>
             <a:r>
-              <a:t>datetime</a:t>
+              <a:t>datetime: package that deal with the time</a:t>
             </a:r>
           </a:p>
           <a:p>
@@ -3311,7 +3482,7 @@
               <a:defRPr sz="4524"/>
             </a:pPr>
             <a:r>
-              <a:t>pandas_datareader</a:t>
+              <a:t>pandas_datareader: package for reading data</a:t>
             </a:r>
           </a:p>
           <a:p>
@@ -3322,7 +3493,7 @@
               <a:defRPr sz="4524"/>
             </a:pPr>
             <a:r>
-              <a:t>plotly</a:t>
+              <a:t>plotly: </a:t>
             </a:r>
           </a:p>
         </p:txBody>
@@ -3379,7 +3550,7 @@
       </p:sp>
       <p:sp>
         <p:nvSpPr>
-          <p:cNvPr id="133" name="We allow user to specify which stock and time range.…"/>
+          <p:cNvPr id="133" name="We allow user to specify the stock symbol and time range.…"/>
           <p:cNvSpPr txBox="1"/>
           <p:nvPr>
             <p:ph type="body" idx="1"/>
@@ -3396,7 +3567,7 @@
           <a:p>
             <a:pPr/>
             <a:r>
-              <a:t>We allow user to specify which stock and time range.</a:t>
+              <a:t>We allow user to specify the stock symbol and time range.</a:t>
             </a:r>
           </a:p>
           <a:p>
@@ -3451,172 +3622,96 @@
           <a:chExt cx="0" cy="0"/>
         </a:xfrm>
       </p:grpSpPr>
-      <p:sp>
-        <p:nvSpPr>
-          <p:cNvPr id="135" name="Comparisons"/>
-          <p:cNvSpPr txBox="1"/>
-          <p:nvPr>
-            <p:ph type="title"/>
-          </p:nvPr>
-        </p:nvSpPr>
-        <p:spPr>
+      <p:grpSp>
+        <p:nvGrpSpPr>
+          <p:cNvPr id="137" name="Image Gallery"/>
+          <p:cNvGrpSpPr/>
+          <p:nvPr/>
+        </p:nvGrpSpPr>
+        <p:grpSpPr>
           <a:xfrm>
-            <a:off x="1784350" y="272003"/>
-            <a:ext cx="20815300" cy="2984501"/>
+            <a:off x="4575084" y="820541"/>
+            <a:ext cx="15430434" cy="12868247"/>
+            <a:chOff x="0" y="0"/>
+            <a:chExt cx="15430433" cy="12868246"/>
           </a:xfrm>
-          <a:prstGeom prst="rect">
-            <a:avLst/>
-          </a:prstGeom>
-        </p:spPr>
-        <p:txBody>
-          <a:bodyPr/>
-          <a:lstStyle/>
-          <a:p>
-            <a:pPr/>
-            <a:r>
-              <a:t>Comparisons</a:t>
-            </a:r>
-          </a:p>
-        </p:txBody>
-      </p:sp>
-      <p:sp>
-        <p:nvSpPr>
-          <p:cNvPr id="136" name="Pandas can only read data from a local file or online file.…"/>
-          <p:cNvSpPr txBox="1"/>
-          <p:nvPr>
-            <p:ph type="body" sz="quarter" idx="1"/>
-          </p:nvPr>
-        </p:nvSpPr>
-        <p:spPr>
-          <a:xfrm>
-            <a:off x="1915490" y="2438400"/>
-            <a:ext cx="7428121" cy="8839200"/>
-          </a:xfrm>
-          <a:prstGeom prst="rect">
-            <a:avLst/>
-          </a:prstGeom>
-        </p:spPr>
-        <p:txBody>
-          <a:bodyPr/>
-          <a:lstStyle/>
-          <a:p>
-            <a:pPr marL="609599" indent="-609599">
-              <a:defRPr sz="4500"/>
-            </a:pPr>
-            <a:r>
-              <a:t>Pandas can only read data from a local file or online file.</a:t>
-            </a:r>
-          </a:p>
-          <a:p>
-            <a:pPr marL="609599" indent="-609599">
-              <a:defRPr sz="4500"/>
-            </a:pPr>
-            <a:r>
-              <a:t>pandas is hard to get the data based on user’s request.</a:t>
-            </a:r>
-          </a:p>
-          <a:p>
-            <a:pPr marL="609599" indent="-609599">
-              <a:defRPr sz="4500"/>
-            </a:pPr>
-            <a:r>
-              <a:t>Hard to draw explanatory plot in matplotlib</a:t>
-            </a:r>
-          </a:p>
-        </p:txBody>
-      </p:sp>
-      <p:sp>
-        <p:nvSpPr>
-          <p:cNvPr id="137" name="pandas_datareader can read based on user’s request.…"/>
-          <p:cNvSpPr txBox="1"/>
-          <p:nvPr/>
-        </p:nvSpPr>
-        <p:spPr>
-          <a:xfrm>
-            <a:off x="12753637" y="1493296"/>
-            <a:ext cx="8254670" cy="11328401"/>
-          </a:xfrm>
-          <a:prstGeom prst="rect">
-            <a:avLst/>
-          </a:prstGeom>
-          <a:ln w="12700">
-            <a:miter lim="400000"/>
-          </a:ln>
-          <a:extLst>
-            <a:ext uri="{C572A759-6A51-4108-AA02-DFA0A04FC94B}">
-              <ma14:wrappingTextBoxFlag xmlns:ma14="http://schemas.microsoft.com/office/mac/drawingml/2011/main" val="1"/>
-            </a:ext>
-          </a:extLst>
-        </p:spPr>
-        <p:txBody>
-          <a:bodyPr lIns="50800" tIns="50800" rIns="50800" bIns="50800" anchor="ctr">
-            <a:spAutoFit/>
-          </a:bodyPr>
-          <a:lstStyle/>
-          <a:p>
-            <a:pPr marL="609599" indent="-609599" algn="l">
-              <a:spcBef>
-                <a:spcPts val="5900"/>
-              </a:spcBef>
-              <a:buSzPct val="75000"/>
-              <a:buChar char="•"/>
-              <a:defRPr sz="4500"/>
-            </a:pPr>
-          </a:p>
-          <a:p>
-            <a:pPr marL="609599" indent="-609599" algn="l">
-              <a:spcBef>
-                <a:spcPts val="5900"/>
-              </a:spcBef>
-              <a:buSzPct val="75000"/>
-              <a:buChar char="•"/>
-              <a:defRPr sz="4500"/>
-            </a:pPr>
-            <a:r>
-              <a:t>pandas_datareader can read based on user’s request. </a:t>
-            </a:r>
-          </a:p>
-          <a:p>
-            <a:pPr marL="609599" indent="-609599" algn="l">
-              <a:spcBef>
-                <a:spcPts val="5900"/>
-              </a:spcBef>
-              <a:buSzPct val="75000"/>
-              <a:buChar char="•"/>
-              <a:defRPr sz="4500"/>
-            </a:pPr>
-            <a:r>
-              <a:t>With pandas_datareader, we don’t need to specify the stock and time in advance.</a:t>
-            </a:r>
-          </a:p>
-          <a:p>
-            <a:pPr marL="609599" indent="-609599" algn="l">
-              <a:spcBef>
-                <a:spcPts val="5900"/>
-              </a:spcBef>
-              <a:buSzPct val="75000"/>
-              <a:buChar char="•"/>
-              <a:defRPr sz="4500"/>
-            </a:pPr>
-            <a:r>
-              <a:t>With plotly, we can zoom in using mouse to see the specific part of the plot</a:t>
-            </a:r>
-          </a:p>
-          <a:p>
-            <a:pPr marL="609599" indent="-609599" algn="l">
-              <a:spcBef>
-                <a:spcPts val="5900"/>
-              </a:spcBef>
-              <a:buSzPct val="75000"/>
-              <a:buChar char="•"/>
-              <a:defRPr sz="4500"/>
-            </a:pPr>
-            <a:r>
-              <a:t>With plotly, it’s easy to draw spread plot which intuitively demonstrate the stock data.</a:t>
-            </a:r>
-          </a:p>
-        </p:txBody>
-      </p:sp>
+        </p:grpSpPr>
+        <p:pic>
+          <p:nvPicPr>
+            <p:cNvPr id="135" name="Screenshot 2022-11-30 at 8.29.39 PM.png" descr="Screenshot 2022-11-30 at 8.29.39 PM.png"/>
+            <p:cNvPicPr>
+              <a:picLocks noChangeAspect="1"/>
+            </p:cNvPicPr>
+            <p:nvPr/>
+          </p:nvPicPr>
+          <p:blipFill>
+            <a:blip r:embed="rId2">
+              <a:extLst/>
+            </a:blip>
+            <a:srcRect l="335" t="0" r="335" b="0"/>
+            <a:stretch>
+              <a:fillRect/>
+            </a:stretch>
+          </p:blipFill>
+          <p:spPr>
+            <a:xfrm>
+              <a:off x="0" y="0"/>
+              <a:ext cx="15430434" cy="12182447"/>
+            </a:xfrm>
+            <a:prstGeom prst="rect">
+              <a:avLst/>
+            </a:prstGeom>
+            <a:ln w="12700" cap="flat">
+              <a:noFill/>
+              <a:miter lim="400000"/>
+            </a:ln>
+            <a:effectLst/>
+          </p:spPr>
+        </p:pic>
+        <p:sp>
+          <p:nvSpPr>
+            <p:cNvPr id="136" name="Caption"/>
+            <p:cNvSpPr/>
+            <p:nvPr/>
+          </p:nvSpPr>
+          <p:spPr>
+            <a:xfrm>
+              <a:off x="0" y="12258646"/>
+              <a:ext cx="15430434" cy="609601"/>
+            </a:xfrm>
+            <a:prstGeom prst="rect">
+              <a:avLst/>
+            </a:prstGeom>
+            <a:noFill/>
+            <a:ln w="12700" cap="flat">
+              <a:noFill/>
+              <a:miter lim="400000"/>
+            </a:ln>
+            <a:effectLst/>
+            <a:extLst>
+              <a:ext uri="{C572A759-6A51-4108-AA02-DFA0A04FC94B}">
+                <ma14:wrappingTextBoxFlag xmlns:ma14="http://schemas.microsoft.com/office/mac/drawingml/2011/main" val="1"/>
+              </a:ext>
+            </a:extLst>
+          </p:spPr>
+          <p:txBody>
+            <a:bodyPr wrap="square" lIns="76200" tIns="76200" rIns="76200" bIns="76200" numCol="1" anchor="t">
+              <a:noAutofit/>
+            </a:bodyPr>
+            <a:lstStyle>
+              <a:lvl1pPr>
+                <a:defRPr sz="3000"/>
+              </a:lvl1pPr>
+            </a:lstStyle>
+            <a:p>
+              <a:pPr/>
+              <a:r>
+                <a:t>Caption</a:t>
+              </a:r>
+            </a:p>
+          </p:txBody>
+        </p:sp>
+      </p:grpSp>
     </p:spTree>
   </p:cSld>
   <p:clrMapOvr>
@@ -3645,17 +3740,13 @@
       </p:grpSpPr>
       <p:sp>
         <p:nvSpPr>
-          <p:cNvPr id="139" name="ML Model"/>
+          <p:cNvPr id="139" name="plotly"/>
           <p:cNvSpPr txBox="1"/>
           <p:nvPr>
             <p:ph type="title"/>
           </p:nvPr>
         </p:nvSpPr>
         <p:spPr>
-          <a:xfrm>
-            <a:off x="1784349" y="97297"/>
-            <a:ext cx="20815301" cy="2984501"/>
-          </a:xfrm>
           <a:prstGeom prst="rect">
             <a:avLst/>
           </a:prstGeom>
@@ -3666,24 +3757,20 @@
           <a:p>
             <a:pPr/>
             <a:r>
-              <a:t>ML Model</a:t>
+              <a:t>plotly</a:t>
             </a:r>
           </a:p>
         </p:txBody>
       </p:sp>
       <p:sp>
         <p:nvSpPr>
-          <p:cNvPr id="140" name="TBATS: a model combined the box-cox, trend, multi-seasonality and ARIMA residual. Performed not bad for the first few steps.…"/>
+          <p:cNvPr id="140" name="Advanced package which can easily produce professional financial plots…"/>
           <p:cNvSpPr txBox="1"/>
           <p:nvPr>
             <p:ph type="body" idx="1"/>
           </p:nvPr>
         </p:nvSpPr>
         <p:spPr>
-          <a:xfrm>
-            <a:off x="1784349" y="3020949"/>
-            <a:ext cx="20815301" cy="8839201"/>
-          </a:xfrm>
           <a:prstGeom prst="rect">
             <a:avLst/>
           </a:prstGeom>
@@ -3692,62 +3779,209 @@
           <a:bodyPr/>
           <a:lstStyle/>
           <a:p>
-            <a:pPr lvl="1" marL="1085088" indent="-542544" defTabSz="734694">
-              <a:spcBef>
-                <a:spcPts val="5200"/>
-              </a:spcBef>
-              <a:defRPr sz="4628"/>
-            </a:pPr>
-            <a:r>
-              <a:t>TBATS: a model combined the box-cox, trend, multi-seasonality and ARIMA residual. Performed not bad for the first few steps.</a:t>
-            </a:r>
-          </a:p>
-          <a:p>
-            <a:pPr lvl="1" marL="1085088" indent="-542544" defTabSz="734694">
-              <a:spcBef>
-                <a:spcPts val="5200"/>
-              </a:spcBef>
-              <a:defRPr sz="4628"/>
-            </a:pPr>
-            <a:r>
-              <a:t>Geometric Brownian Motion: (On going)</a:t>
-            </a:r>
-          </a:p>
-          <a:p>
-            <a:pPr lvl="1" marL="1085088" indent="-542544" defTabSz="734694">
-              <a:spcBef>
-                <a:spcPts val="5200"/>
-              </a:spcBef>
-              <a:defRPr sz="4628"/>
-            </a:pPr>
-            <a:r>
-              <a:t>What we can get from the model: tomorrow’s price and confidence interval.</a:t>
-            </a:r>
-          </a:p>
-          <a:p>
-            <a:pPr lvl="1" marL="1085088" indent="-542544" defTabSz="734694">
-              <a:spcBef>
-                <a:spcPts val="5200"/>
-              </a:spcBef>
-              <a:defRPr sz="4628"/>
-            </a:pPr>
-            <a:r>
-              <a:t>How user can use this: buy the stock if the predicted value is an increase.</a:t>
-            </a:r>
-          </a:p>
-          <a:p>
-            <a:pPr lvl="1" marL="1085088" indent="-542544" defTabSz="734694">
-              <a:spcBef>
-                <a:spcPts val="5200"/>
-              </a:spcBef>
-              <a:defRPr sz="4628"/>
-            </a:pPr>
-            <a:r>
-              <a:t>How to determine the model accuracy: use this strategy for 30 days and see how much profit we can gain.</a:t>
+            <a:pPr/>
+            <a:r>
+              <a:t>Advanced package which can easily produce professional financial plots</a:t>
+            </a:r>
+          </a:p>
+          <a:p>
+            <a:pPr/>
+            <a:r>
+              <a:t>We can add some interactive icons to the plot</a:t>
+            </a:r>
+          </a:p>
+          <a:p>
+            <a:pPr/>
+            <a:r>
+              <a:t>We can zoom in and zoom out the plot to see specific part</a:t>
+            </a:r>
+          </a:p>
+          <a:p>
+            <a:pPr/>
+            <a:r>
+              <a:t>We can see the detail of data by putting mouse on that point</a:t>
+            </a:r>
+          </a:p>
+          <a:p>
+            <a:pPr/>
+            <a:r>
+              <a:t>We can hide and unhide some lines by click the label of legend</a:t>
             </a:r>
           </a:p>
         </p:txBody>
       </p:sp>
+    </p:spTree>
+  </p:cSld>
+  <p:clrMapOvr>
+    <a:masterClrMapping/>
+  </p:clrMapOvr>
+  <p:transition xmlns:p14="http://schemas.microsoft.com/office/powerpoint/2010/main" spd="med" advClick="1"/>
+</p:sld>
+</file>
+
+<file path=ppt/slides/slide8.xml><?xml version="1.0" encoding="utf-8"?>
+<p:sld xmlns:a="http://schemas.openxmlformats.org/drawingml/2006/main" xmlns:r="http://schemas.openxmlformats.org/officeDocument/2006/relationships" xmlns:p="http://schemas.openxmlformats.org/presentationml/2006/main" xmlns:m="http://schemas.openxmlformats.org/officeDocument/2006/math" xmlns:a14="http://schemas.microsoft.com/office/drawing/2010/main" showMasterSp="1" showMasterPhAnim="1">
+  <p:cSld>
+    <p:spTree>
+      <p:nvGrpSpPr>
+        <p:cNvPr id="1" name=""/>
+        <p:cNvGrpSpPr/>
+        <p:nvPr/>
+      </p:nvGrpSpPr>
+      <p:grpSpPr>
+        <a:xfrm>
+          <a:off x="0" y="0"/>
+          <a:ext cx="0" cy="0"/>
+          <a:chOff x="0" y="0"/>
+          <a:chExt cx="0" cy="0"/>
+        </a:xfrm>
+      </p:grpSpPr>
+      <p:pic>
+        <p:nvPicPr>
+          <p:cNvPr id="142" name="Image Gallery" descr="Image Gallery"/>
+          <p:cNvPicPr>
+            <a:picLocks noChangeAspect="1"/>
+          </p:cNvPicPr>
+          <p:nvPr/>
+        </p:nvPicPr>
+        <p:blipFill>
+          <a:blip r:embed="rId2">
+            <a:extLst/>
+          </a:blip>
+          <a:srcRect l="0" t="3329" r="0" b="3329"/>
+          <a:stretch>
+            <a:fillRect/>
+          </a:stretch>
+        </p:blipFill>
+        <p:spPr>
+          <a:xfrm>
+            <a:off x="3952733" y="1408819"/>
+            <a:ext cx="16983172" cy="10568162"/>
+          </a:xfrm>
+          <a:prstGeom prst="rect">
+            <a:avLst/>
+          </a:prstGeom>
+          <a:ln w="12700">
+            <a:miter lim="400000"/>
+          </a:ln>
+        </p:spPr>
+      </p:pic>
+    </p:spTree>
+  </p:cSld>
+  <p:clrMapOvr>
+    <a:masterClrMapping/>
+  </p:clrMapOvr>
+  <p:transition xmlns:p14="http://schemas.microsoft.com/office/powerpoint/2010/main" spd="med" advClick="1"/>
+</p:sld>
+</file>
+
+<file path=ppt/slides/slide9.xml><?xml version="1.0" encoding="utf-8"?>
+<p:sld xmlns:a="http://schemas.openxmlformats.org/drawingml/2006/main" xmlns:r="http://schemas.openxmlformats.org/officeDocument/2006/relationships" xmlns:p="http://schemas.openxmlformats.org/presentationml/2006/main" xmlns:m="http://schemas.openxmlformats.org/officeDocument/2006/math" xmlns:a14="http://schemas.microsoft.com/office/drawing/2010/main" showMasterSp="1" showMasterPhAnim="1">
+  <p:cSld>
+    <p:spTree>
+      <p:nvGrpSpPr>
+        <p:cNvPr id="1" name=""/>
+        <p:cNvGrpSpPr/>
+        <p:nvPr/>
+      </p:nvGrpSpPr>
+      <p:grpSpPr>
+        <a:xfrm>
+          <a:off x="0" y="0"/>
+          <a:ext cx="0" cy="0"/>
+          <a:chOff x="0" y="0"/>
+          <a:chExt cx="0" cy="0"/>
+        </a:xfrm>
+      </p:grpSpPr>
+      <p:grpSp>
+        <p:nvGrpSpPr>
+          <p:cNvPr id="146" name="Image Gallery"/>
+          <p:cNvGrpSpPr/>
+          <p:nvPr/>
+        </p:nvGrpSpPr>
+        <p:grpSpPr>
+          <a:xfrm>
+            <a:off x="5109115" y="783276"/>
+            <a:ext cx="14677832" cy="12835248"/>
+            <a:chOff x="0" y="0"/>
+            <a:chExt cx="14677831" cy="12835246"/>
+          </a:xfrm>
+        </p:grpSpPr>
+        <p:pic>
+          <p:nvPicPr>
+            <p:cNvPr id="144" name="candle_plot.png" descr="candle_plot.png"/>
+            <p:cNvPicPr>
+              <a:picLocks noChangeAspect="1"/>
+            </p:cNvPicPr>
+            <p:nvPr/>
+          </p:nvPicPr>
+          <p:blipFill>
+            <a:blip r:embed="rId2">
+              <a:extLst/>
+            </a:blip>
+            <a:srcRect l="0" t="3439" r="0" b="3439"/>
+            <a:stretch>
+              <a:fillRect/>
+            </a:stretch>
+          </p:blipFill>
+          <p:spPr>
+            <a:xfrm>
+              <a:off x="0" y="0"/>
+              <a:ext cx="14677832" cy="12149447"/>
+            </a:xfrm>
+            <a:prstGeom prst="rect">
+              <a:avLst/>
+            </a:prstGeom>
+            <a:ln w="12700" cap="flat">
+              <a:noFill/>
+              <a:miter lim="400000"/>
+            </a:ln>
+            <a:effectLst/>
+          </p:spPr>
+        </p:pic>
+        <p:sp>
+          <p:nvSpPr>
+            <p:cNvPr id="145" name="Caption"/>
+            <p:cNvSpPr/>
+            <p:nvPr/>
+          </p:nvSpPr>
+          <p:spPr>
+            <a:xfrm>
+              <a:off x="0" y="12225646"/>
+              <a:ext cx="14677832" cy="609601"/>
+            </a:xfrm>
+            <a:prstGeom prst="rect">
+              <a:avLst/>
+            </a:prstGeom>
+            <a:noFill/>
+            <a:ln w="12700" cap="flat">
+              <a:noFill/>
+              <a:miter lim="400000"/>
+            </a:ln>
+            <a:effectLst/>
+            <a:extLst>
+              <a:ext uri="{C572A759-6A51-4108-AA02-DFA0A04FC94B}">
+                <ma14:wrappingTextBoxFlag xmlns:ma14="http://schemas.microsoft.com/office/mac/drawingml/2011/main" val="1"/>
+              </a:ext>
+            </a:extLst>
+          </p:spPr>
+          <p:txBody>
+            <a:bodyPr wrap="square" lIns="76200" tIns="76200" rIns="76200" bIns="76200" numCol="1" anchor="t">
+              <a:noAutofit/>
+            </a:bodyPr>
+            <a:lstStyle>
+              <a:lvl1pPr>
+                <a:defRPr sz="3000"/>
+              </a:lvl1pPr>
+            </a:lstStyle>
+            <a:p>
+              <a:pPr/>
+              <a:r>
+                <a:t>Caption</a:t>
+              </a:r>
+            </a:p>
+          </p:txBody>
+        </p:sp>
+      </p:grpSp>
     </p:spTree>
   </p:cSld>
   <p:clrMapOvr>

--- a/docs/Technology Review.pptx
+++ b/docs/Technology Review.pptx
@@ -18,6 +18,8 @@
     <p:sldId id="263" r:id="rId15"/>
     <p:sldId id="264" r:id="rId16"/>
     <p:sldId id="265" r:id="rId17"/>
+    <p:sldId id="266" r:id="rId18"/>
+    <p:sldId id="267" r:id="rId19"/>
   </p:sldIdLst>
   <p:sldSz cx="24384000" cy="13716000"/>
   <p:notesSz cx="6858000" cy="9144000"/>
@@ -2995,9 +2997,241 @@
           <a:chExt cx="0" cy="0"/>
         </a:xfrm>
       </p:grpSpPr>
+      <p:grpSp>
+        <p:nvGrpSpPr>
+          <p:cNvPr id="150" name="Image Gallery"/>
+          <p:cNvGrpSpPr/>
+          <p:nvPr/>
+        </p:nvGrpSpPr>
+        <p:grpSpPr>
+          <a:xfrm>
+            <a:off x="5109115" y="783276"/>
+            <a:ext cx="14677832" cy="12835248"/>
+            <a:chOff x="0" y="0"/>
+            <a:chExt cx="14677831" cy="12835246"/>
+          </a:xfrm>
+        </p:grpSpPr>
+        <p:pic>
+          <p:nvPicPr>
+            <p:cNvPr id="148" name="candle_plot.png" descr="candle_plot.png"/>
+            <p:cNvPicPr>
+              <a:picLocks noChangeAspect="1"/>
+            </p:cNvPicPr>
+            <p:nvPr/>
+          </p:nvPicPr>
+          <p:blipFill>
+            <a:blip r:embed="rId2">
+              <a:extLst/>
+            </a:blip>
+            <a:srcRect l="0" t="3439" r="0" b="3439"/>
+            <a:stretch>
+              <a:fillRect/>
+            </a:stretch>
+          </p:blipFill>
+          <p:spPr>
+            <a:xfrm>
+              <a:off x="0" y="0"/>
+              <a:ext cx="14677832" cy="12149447"/>
+            </a:xfrm>
+            <a:prstGeom prst="rect">
+              <a:avLst/>
+            </a:prstGeom>
+            <a:ln w="12700" cap="flat">
+              <a:noFill/>
+              <a:miter lim="400000"/>
+            </a:ln>
+            <a:effectLst/>
+          </p:spPr>
+        </p:pic>
+        <p:sp>
+          <p:nvSpPr>
+            <p:cNvPr id="149" name="Caption"/>
+            <p:cNvSpPr/>
+            <p:nvPr/>
+          </p:nvSpPr>
+          <p:spPr>
+            <a:xfrm>
+              <a:off x="0" y="12225646"/>
+              <a:ext cx="14677832" cy="609601"/>
+            </a:xfrm>
+            <a:prstGeom prst="rect">
+              <a:avLst/>
+            </a:prstGeom>
+            <a:noFill/>
+            <a:ln w="12700" cap="flat">
+              <a:noFill/>
+              <a:miter lim="400000"/>
+            </a:ln>
+            <a:effectLst/>
+            <a:extLst>
+              <a:ext uri="{C572A759-6A51-4108-AA02-DFA0A04FC94B}">
+                <ma14:wrappingTextBoxFlag xmlns:ma14="http://schemas.microsoft.com/office/mac/drawingml/2011/main" val="1"/>
+              </a:ext>
+            </a:extLst>
+          </p:spPr>
+          <p:txBody>
+            <a:bodyPr wrap="square" lIns="76200" tIns="76200" rIns="76200" bIns="76200" numCol="1" anchor="t">
+              <a:noAutofit/>
+            </a:bodyPr>
+            <a:lstStyle>
+              <a:lvl1pPr>
+                <a:defRPr sz="3000"/>
+              </a:lvl1pPr>
+            </a:lstStyle>
+            <a:p>
+              <a:pPr/>
+              <a:r>
+                <a:t>Caption</a:t>
+              </a:r>
+            </a:p>
+          </p:txBody>
+        </p:sp>
+      </p:grpSp>
+    </p:spTree>
+  </p:cSld>
+  <p:clrMapOvr>
+    <a:masterClrMapping/>
+  </p:clrMapOvr>
+  <p:transition xmlns:p14="http://schemas.microsoft.com/office/powerpoint/2010/main" spd="med" advClick="1"/>
+</p:sld>
+</file>
+
+<file path=ppt/slides/slide11.xml><?xml version="1.0" encoding="utf-8"?>
+<p:sld xmlns:a="http://schemas.openxmlformats.org/drawingml/2006/main" xmlns:r="http://schemas.openxmlformats.org/officeDocument/2006/relationships" xmlns:p="http://schemas.openxmlformats.org/presentationml/2006/main" xmlns:m="http://schemas.openxmlformats.org/officeDocument/2006/math" xmlns:a14="http://schemas.microsoft.com/office/drawing/2010/main" showMasterSp="1" showMasterPhAnim="1">
+  <p:cSld>
+    <p:spTree>
+      <p:nvGrpSpPr>
+        <p:cNvPr id="1" name=""/>
+        <p:cNvGrpSpPr/>
+        <p:nvPr/>
+      </p:nvGrpSpPr>
+      <p:grpSpPr>
+        <a:xfrm>
+          <a:off x="0" y="0"/>
+          <a:ext cx="0" cy="0"/>
+          <a:chOff x="0" y="0"/>
+          <a:chExt cx="0" cy="0"/>
+        </a:xfrm>
+      </p:grpSpPr>
+      <p:grpSp>
+        <p:nvGrpSpPr>
+          <p:cNvPr id="154" name="Image Gallery"/>
+          <p:cNvGrpSpPr/>
+          <p:nvPr/>
+        </p:nvGrpSpPr>
+        <p:grpSpPr>
+          <a:xfrm>
+            <a:off x="4969073" y="927519"/>
+            <a:ext cx="14445854" cy="12546762"/>
+            <a:chOff x="0" y="0"/>
+            <a:chExt cx="14445853" cy="12546760"/>
+          </a:xfrm>
+        </p:grpSpPr>
+        <p:pic>
+          <p:nvPicPr>
+            <p:cNvPr id="152" name="candle_plot-6m.png" descr="candle_plot-6m.png"/>
+            <p:cNvPicPr>
+              <a:picLocks noChangeAspect="1"/>
+            </p:cNvPicPr>
+            <p:nvPr/>
+          </p:nvPicPr>
+          <p:blipFill>
+            <a:blip r:embed="rId2">
+              <a:extLst/>
+            </a:blip>
+            <a:srcRect l="0" t="3815" r="0" b="3815"/>
+            <a:stretch>
+              <a:fillRect/>
+            </a:stretch>
+          </p:blipFill>
+          <p:spPr>
+            <a:xfrm>
+              <a:off x="0" y="0"/>
+              <a:ext cx="14445854" cy="11860961"/>
+            </a:xfrm>
+            <a:prstGeom prst="rect">
+              <a:avLst/>
+            </a:prstGeom>
+            <a:ln w="12700" cap="flat">
+              <a:noFill/>
+              <a:miter lim="400000"/>
+            </a:ln>
+            <a:effectLst/>
+          </p:spPr>
+        </p:pic>
+        <p:sp>
+          <p:nvSpPr>
+            <p:cNvPr id="153" name="Caption"/>
+            <p:cNvSpPr/>
+            <p:nvPr/>
+          </p:nvSpPr>
+          <p:spPr>
+            <a:xfrm>
+              <a:off x="0" y="11937160"/>
+              <a:ext cx="14445854" cy="609601"/>
+            </a:xfrm>
+            <a:prstGeom prst="rect">
+              <a:avLst/>
+            </a:prstGeom>
+            <a:noFill/>
+            <a:ln w="12700" cap="flat">
+              <a:noFill/>
+              <a:miter lim="400000"/>
+            </a:ln>
+            <a:effectLst/>
+            <a:extLst>
+              <a:ext uri="{C572A759-6A51-4108-AA02-DFA0A04FC94B}">
+                <ma14:wrappingTextBoxFlag xmlns:ma14="http://schemas.microsoft.com/office/mac/drawingml/2011/main" val="1"/>
+              </a:ext>
+            </a:extLst>
+          </p:spPr>
+          <p:txBody>
+            <a:bodyPr wrap="square" lIns="76200" tIns="76200" rIns="76200" bIns="76200" numCol="1" anchor="t">
+              <a:noAutofit/>
+            </a:bodyPr>
+            <a:lstStyle>
+              <a:lvl1pPr>
+                <a:defRPr sz="3000"/>
+              </a:lvl1pPr>
+            </a:lstStyle>
+            <a:p>
+              <a:pPr/>
+              <a:r>
+                <a:t>Caption</a:t>
+              </a:r>
+            </a:p>
+          </p:txBody>
+        </p:sp>
+      </p:grpSp>
+    </p:spTree>
+  </p:cSld>
+  <p:clrMapOvr>
+    <a:masterClrMapping/>
+  </p:clrMapOvr>
+  <p:transition xmlns:p14="http://schemas.microsoft.com/office/powerpoint/2010/main" spd="med" advClick="1"/>
+</p:sld>
+</file>
+
+<file path=ppt/slides/slide12.xml><?xml version="1.0" encoding="utf-8"?>
+<p:sld xmlns:a="http://schemas.openxmlformats.org/drawingml/2006/main" xmlns:r="http://schemas.openxmlformats.org/officeDocument/2006/relationships" xmlns:p="http://schemas.openxmlformats.org/presentationml/2006/main" xmlns:m="http://schemas.openxmlformats.org/officeDocument/2006/math" xmlns:a14="http://schemas.microsoft.com/office/drawing/2010/main" showMasterSp="1" showMasterPhAnim="1">
+  <p:cSld>
+    <p:spTree>
+      <p:nvGrpSpPr>
+        <p:cNvPr id="1" name=""/>
+        <p:cNvGrpSpPr/>
+        <p:nvPr/>
+      </p:nvGrpSpPr>
+      <p:grpSpPr>
+        <a:xfrm>
+          <a:off x="0" y="0"/>
+          <a:ext cx="0" cy="0"/>
+          <a:chOff x="0" y="0"/>
+          <a:chExt cx="0" cy="0"/>
+        </a:xfrm>
+      </p:grpSpPr>
       <p:sp>
         <p:nvSpPr>
-          <p:cNvPr id="148" name="ML Model"/>
+          <p:cNvPr id="156" name="ML Model"/>
           <p:cNvSpPr txBox="1"/>
           <p:nvPr>
             <p:ph type="title"/>
@@ -3025,7 +3259,7 @@
       </p:sp>
       <p:sp>
         <p:nvSpPr>
-          <p:cNvPr id="149" name="TBATS: a model combined the box-cox, trend, multi-seasonality and ARIMA residual. Performed not bad for the first few steps.…"/>
+          <p:cNvPr id="157" name="TBATS: a model combined the box-cox, trend, multi-seasonality and ARIMA residual. Performed not bad for the first few steps.…"/>
           <p:cNvSpPr txBox="1"/>
           <p:nvPr>
             <p:ph type="body" idx="1"/>
@@ -3493,7 +3727,7 @@
               <a:defRPr sz="4524"/>
             </a:pPr>
             <a:r>
-              <a:t>plotly: </a:t>
+              <a:t>plotly: package for visualization</a:t>
             </a:r>
           </a:p>
         </p:txBody>
@@ -3900,15 +4134,15 @@
         </p:nvGrpSpPr>
         <p:grpSpPr>
           <a:xfrm>
-            <a:off x="5109115" y="783276"/>
-            <a:ext cx="14677832" cy="12835248"/>
+            <a:off x="3784956" y="1015189"/>
+            <a:ext cx="17700026" cy="11431622"/>
             <a:chOff x="0" y="0"/>
-            <a:chExt cx="14677831" cy="12835246"/>
+            <a:chExt cx="17700025" cy="11431620"/>
           </a:xfrm>
         </p:grpSpPr>
         <p:pic>
           <p:nvPicPr>
-            <p:cNvPr id="144" name="candle_plot.png" descr="candle_plot.png"/>
+            <p:cNvPr id="144" name="price_plot_6m.png" descr="price_plot_6m.png"/>
             <p:cNvPicPr>
               <a:picLocks noChangeAspect="1"/>
             </p:cNvPicPr>
@@ -3918,7 +4152,7 @@
             <a:blip r:embed="rId2">
               <a:extLst/>
             </a:blip>
-            <a:srcRect l="0" t="3439" r="0" b="3439"/>
+            <a:srcRect l="0" t="4466" r="0" b="4466"/>
             <a:stretch>
               <a:fillRect/>
             </a:stretch>
@@ -3926,7 +4160,7 @@
           <p:spPr>
             <a:xfrm>
               <a:off x="0" y="0"/>
-              <a:ext cx="14677832" cy="12149447"/>
+              <a:ext cx="17700026" cy="10745821"/>
             </a:xfrm>
             <a:prstGeom prst="rect">
               <a:avLst/>
@@ -3946,8 +4180,8 @@
           </p:nvSpPr>
           <p:spPr>
             <a:xfrm>
-              <a:off x="0" y="12225646"/>
-              <a:ext cx="14677832" cy="609601"/>
+              <a:off x="0" y="10822020"/>
+              <a:ext cx="17700026" cy="609601"/>
             </a:xfrm>
             <a:prstGeom prst="rect">
               <a:avLst/>
